--- a/lectures/SECURITY/slides/lecture10.pptx
+++ b/lectures/SECURITY/slides/lecture10.pptx
@@ -1577,7 +1577,7 @@
           <a:p>
             <a:pPr eaLnBrk="1" hangingPunct="1"/>
             <a:r>
-              <a:rPr lang="en-US" smtClean="0">
+              <a:rPr lang="en-US" dirty="0" smtClean="0">
                 <a:latin typeface="Arial" pitchFamily="34" charset="0"/>
                 <a:cs typeface="Arial" pitchFamily="34" charset="0"/>
               </a:rPr>
@@ -1587,7 +1587,7 @@
           <a:p>
             <a:pPr eaLnBrk="1" hangingPunct="1"/>
             <a:r>
-              <a:rPr lang="en-US" smtClean="0">
+              <a:rPr lang="en-US" dirty="0" smtClean="0">
                 <a:latin typeface="Arial" pitchFamily="34" charset="0"/>
                 <a:cs typeface="Arial" pitchFamily="34" charset="0"/>
               </a:rPr>
@@ -1597,7 +1597,7 @@
           <a:p>
             <a:pPr eaLnBrk="1" hangingPunct="1"/>
             <a:r>
-              <a:rPr lang="en-US" smtClean="0">
+              <a:rPr lang="en-US" dirty="0" smtClean="0">
                 <a:latin typeface="Arial" pitchFamily="34" charset="0"/>
                 <a:cs typeface="Arial" pitchFamily="34" charset="0"/>
               </a:rPr>
@@ -1607,7 +1607,7 @@
           <a:p>
             <a:pPr eaLnBrk="1" hangingPunct="1"/>
             <a:r>
-              <a:rPr lang="en-US" smtClean="0">
+              <a:rPr lang="en-US" dirty="0" smtClean="0">
                 <a:latin typeface="Arial" pitchFamily="34" charset="0"/>
                 <a:cs typeface="Arial" pitchFamily="34" charset="0"/>
               </a:rPr>
@@ -1617,7 +1617,7 @@
           <a:p>
             <a:pPr eaLnBrk="1" hangingPunct="1"/>
             <a:r>
-              <a:rPr lang="en-US" smtClean="0">
+              <a:rPr lang="en-US" dirty="0" smtClean="0">
                 <a:latin typeface="Arial" pitchFamily="34" charset="0"/>
                 <a:cs typeface="Arial" pitchFamily="34" charset="0"/>
               </a:rPr>
@@ -1627,7 +1627,7 @@
           <a:p>
             <a:pPr eaLnBrk="1" hangingPunct="1"/>
             <a:r>
-              <a:rPr lang="en-US" smtClean="0">
+              <a:rPr lang="en-US" dirty="0" smtClean="0">
                 <a:latin typeface="Arial" pitchFamily="34" charset="0"/>
                 <a:cs typeface="Arial" pitchFamily="34" charset="0"/>
               </a:rPr>
@@ -1637,7 +1637,7 @@
           <a:p>
             <a:pPr eaLnBrk="1" hangingPunct="1"/>
             <a:r>
-              <a:rPr lang="en-US" smtClean="0">
+              <a:rPr lang="en-US" dirty="0" smtClean="0">
                 <a:latin typeface="Arial" pitchFamily="34" charset="0"/>
                 <a:cs typeface="Arial" pitchFamily="34" charset="0"/>
               </a:rPr>
@@ -1647,7 +1647,7 @@
           <a:p>
             <a:pPr eaLnBrk="1" hangingPunct="1"/>
             <a:r>
-              <a:rPr lang="en-US" smtClean="0">
+              <a:rPr lang="en-US" dirty="0" smtClean="0">
                 <a:latin typeface="Arial" pitchFamily="34" charset="0"/>
                 <a:cs typeface="Arial" pitchFamily="34" charset="0"/>
               </a:rPr>
@@ -1657,7 +1657,7 @@
           <a:p>
             <a:pPr eaLnBrk="1" hangingPunct="1"/>
             <a:r>
-              <a:rPr lang="en-US" smtClean="0">
+              <a:rPr lang="en-US" dirty="0" smtClean="0">
                 <a:latin typeface="Arial" pitchFamily="34" charset="0"/>
                 <a:cs typeface="Arial" pitchFamily="34" charset="0"/>
               </a:rPr>
@@ -1667,41 +1667,41 @@
           <a:p>
             <a:pPr eaLnBrk="1" hangingPunct="1"/>
             <a:r>
-              <a:rPr lang="en-US" smtClean="0">
+              <a:rPr lang="en-US" dirty="0" smtClean="0">
                 <a:latin typeface="Arial" pitchFamily="34" charset="0"/>
                 <a:cs typeface="Arial" pitchFamily="34" charset="0"/>
               </a:rPr>
               <a:t>Two additional fields may be present in the payload. An </a:t>
             </a:r>
             <a:r>
-              <a:rPr lang="en-US" b="1" smtClean="0">
+              <a:rPr lang="en-US" b="1" dirty="0" smtClean="0">
                 <a:latin typeface="Arial" pitchFamily="34" charset="0"/>
                 <a:cs typeface="Arial" pitchFamily="34" charset="0"/>
               </a:rPr>
               <a:t>initialization value</a:t>
             </a:r>
             <a:r>
-              <a:rPr lang="en-US" smtClean="0">
+              <a:rPr lang="en-US" dirty="0" smtClean="0">
                 <a:latin typeface="Arial" pitchFamily="34" charset="0"/>
                 <a:cs typeface="Arial" pitchFamily="34" charset="0"/>
               </a:rPr>
               <a:t> (IV), or nonce, is present if this is required by the encryption or authenticated encryption algorithm used for ESP. If tunnel mode is being used, then the IPsec implementation may add </a:t>
             </a:r>
             <a:r>
-              <a:rPr lang="en-US" b="1" smtClean="0">
+              <a:rPr lang="en-US" b="1" dirty="0" smtClean="0">
                 <a:latin typeface="Arial" pitchFamily="34" charset="0"/>
                 <a:cs typeface="Arial" pitchFamily="34" charset="0"/>
               </a:rPr>
               <a:t>traffic flow </a:t>
             </a:r>
             <a:r>
-              <a:rPr lang="en-US" smtClean="0">
+              <a:rPr lang="en-US" dirty="0" smtClean="0">
                 <a:latin typeface="Arial" pitchFamily="34" charset="0"/>
                 <a:cs typeface="Arial" pitchFamily="34" charset="0"/>
               </a:rPr>
               <a:t>confidentiality (TFC) padding after the Payload Data and before the Padding field, as explained subsequently. </a:t>
             </a:r>
-            <a:endParaRPr lang="en-AU" smtClean="0">
+            <a:endParaRPr lang="en-AU" dirty="0" smtClean="0">
               <a:latin typeface="Arial" pitchFamily="34" charset="0"/>
               <a:cs typeface="Arial" pitchFamily="34" charset="0"/>
             </a:endParaRPr>
@@ -2108,17 +2108,59 @@
           <a:p>
             <a:pPr eaLnBrk="1" hangingPunct="1"/>
             <a:r>
-              <a:rPr lang="en-US" smtClean="0">
+              <a:rPr lang="en-US" dirty="0" smtClean="0">
                 <a:latin typeface="Arial" pitchFamily="34" charset="0"/>
                 <a:cs typeface="Arial" pitchFamily="34" charset="0"/>
               </a:rPr>
-              <a:t>An individual SA can implement either the AH or ESP protocol but not both. Sometimes a particular traffic flow will call for the services provided by both AH and ESP. Further, a particular traffic flow may require IPSec services between hosts and ,for that same flow, separate services between security gateways, such as firewalls. In all of these cases, multiple SAs must be employed for the same traffic flow to achieve the desired IPSec services. The term security association bundle refers to a sequence of SAs through which traffic must be processed to provide a desired set of IPSec services. The SAs in a bundle may terminate at different endpoints or at the same endpoints. </a:t>
+              <a:t>An individual SA can implement either the AH or ESP protocol but not both. Sometimes a particular traffic flow will call for the services provided by both AH and ESP. Further, a particular traffic flow may require </a:t>
+            </a:r>
+            <a:r>
+              <a:rPr lang="en-US" dirty="0" err="1" smtClean="0">
+                <a:latin typeface="Arial" pitchFamily="34" charset="0"/>
+                <a:cs typeface="Arial" pitchFamily="34" charset="0"/>
+              </a:rPr>
+              <a:t>IPSec</a:t>
+            </a:r>
+            <a:r>
+              <a:rPr lang="en-US" dirty="0" smtClean="0">
+                <a:latin typeface="Arial" pitchFamily="34" charset="0"/>
+                <a:cs typeface="Arial" pitchFamily="34" charset="0"/>
+              </a:rPr>
+              <a:t> services between hosts and ,for that same flow, separate services between security gateways, such as firewalls. In all of these cases, multiple SAs must be employed for the same traffic flow to achieve the desired </a:t>
+            </a:r>
+            <a:r>
+              <a:rPr lang="en-US" dirty="0" err="1" smtClean="0">
+                <a:latin typeface="Arial" pitchFamily="34" charset="0"/>
+                <a:cs typeface="Arial" pitchFamily="34" charset="0"/>
+              </a:rPr>
+              <a:t>IPSec</a:t>
+            </a:r>
+            <a:r>
+              <a:rPr lang="en-US" dirty="0" smtClean="0">
+                <a:latin typeface="Arial" pitchFamily="34" charset="0"/>
+                <a:cs typeface="Arial" pitchFamily="34" charset="0"/>
+              </a:rPr>
+              <a:t> services. The term security association bundle refers to a sequence of SAs through which traffic must be processed to provide a desired set of </a:t>
+            </a:r>
+            <a:r>
+              <a:rPr lang="en-US" dirty="0" err="1" smtClean="0">
+                <a:latin typeface="Arial" pitchFamily="34" charset="0"/>
+                <a:cs typeface="Arial" pitchFamily="34" charset="0"/>
+              </a:rPr>
+              <a:t>IPSec</a:t>
+            </a:r>
+            <a:r>
+              <a:rPr lang="en-US" dirty="0" smtClean="0">
+                <a:latin typeface="Arial" pitchFamily="34" charset="0"/>
+                <a:cs typeface="Arial" pitchFamily="34" charset="0"/>
+              </a:rPr>
+              <a:t> services. The SAs in a bundle may terminate at different endpoints or at the same endpoints. </a:t>
             </a:r>
           </a:p>
           <a:p>
             <a:pPr eaLnBrk="1" hangingPunct="1"/>
             <a:r>
-              <a:rPr lang="en-US" smtClean="0">
+              <a:rPr lang="en-US" dirty="0" smtClean="0">
                 <a:latin typeface="Arial" pitchFamily="34" charset="0"/>
                 <a:cs typeface="Arial" pitchFamily="34" charset="0"/>
               </a:rPr>
@@ -2128,7 +2170,7 @@
           <a:p>
             <a:pPr eaLnBrk="1" hangingPunct="1"/>
             <a:r>
-              <a:rPr lang="en-US" smtClean="0">
+              <a:rPr lang="en-US" b="1" dirty="0" smtClean="0">
                 <a:latin typeface="Arial" pitchFamily="34" charset="0"/>
                 <a:cs typeface="Arial" pitchFamily="34" charset="0"/>
               </a:rPr>
@@ -2138,7 +2180,7 @@
           <a:p>
             <a:pPr eaLnBrk="1" hangingPunct="1"/>
             <a:r>
-              <a:rPr lang="en-US" smtClean="0">
+              <a:rPr lang="en-US" b="1" dirty="0" smtClean="0">
                 <a:latin typeface="Arial" pitchFamily="34" charset="0"/>
                 <a:cs typeface="Arial" pitchFamily="34" charset="0"/>
               </a:rPr>
@@ -2148,35 +2190,35 @@
           <a:p>
             <a:pPr eaLnBrk="1" hangingPunct="1"/>
             <a:r>
-              <a:rPr lang="en-US" smtClean="0">
+              <a:rPr lang="en-US" dirty="0" smtClean="0">
                 <a:latin typeface="Arial" pitchFamily="34" charset="0"/>
                 <a:cs typeface="Arial" pitchFamily="34" charset="0"/>
               </a:rPr>
               <a:t>Encryption and authentication can be combined in order to transmit an IP packet that has both confidentiality and authentication between hosts. We look at several approaches, including</a:t>
             </a:r>
             <a:r>
-              <a:rPr lang="en-US" b="1" i="1" smtClean="0">
+              <a:rPr lang="en-US" b="1" i="1" dirty="0" smtClean="0">
                 <a:latin typeface="Arial" pitchFamily="34" charset="0"/>
                 <a:cs typeface="Arial" pitchFamily="34" charset="0"/>
               </a:rPr>
               <a:t>: </a:t>
             </a:r>
             <a:r>
-              <a:rPr lang="en-US" smtClean="0">
+              <a:rPr lang="en-US" dirty="0" smtClean="0">
                 <a:latin typeface="Arial" pitchFamily="34" charset="0"/>
                 <a:cs typeface="Arial" pitchFamily="34" charset="0"/>
               </a:rPr>
               <a:t>ESP with authentication option</a:t>
             </a:r>
             <a:r>
-              <a:rPr lang="en-US" b="1" i="1" smtClean="0">
+              <a:rPr lang="en-US" b="1" i="1" dirty="0" smtClean="0">
                 <a:latin typeface="Arial" pitchFamily="34" charset="0"/>
                 <a:cs typeface="Arial" pitchFamily="34" charset="0"/>
               </a:rPr>
               <a:t>, </a:t>
             </a:r>
             <a:r>
-              <a:rPr lang="en-US" smtClean="0">
+              <a:rPr lang="en-US" dirty="0" smtClean="0">
                 <a:latin typeface="Arial" pitchFamily="34" charset="0"/>
                 <a:cs typeface="Arial" pitchFamily="34" charset="0"/>
               </a:rPr>
@@ -2573,11 +2615,25 @@
           <a:p>
             <a:pPr eaLnBrk="1" hangingPunct="1"/>
             <a:r>
-              <a:rPr lang="en-US" smtClean="0">
+              <a:rPr lang="en-US" dirty="0" smtClean="0">
                 <a:latin typeface="Arial" pitchFamily="34" charset="0"/>
                 <a:cs typeface="Arial" pitchFamily="34" charset="0"/>
               </a:rPr>
-              <a:t>The Internet community has developed application-specific security mechanisms in a number of application areas, including electronic mail (S/MIME, PGP), client/server (Kerberos), Web access (Secure Sockets Layer), and others. However users have some security concerns that cut across protocol layers. By implementing security at the IP level, an organization can ensure secure networking not only for applications that have security mechanisms but also for the many security-ignorant applications. </a:t>
+              <a:t>The Internet community has developed application-specific security mechanisms in a number of application areas, including </a:t>
+            </a:r>
+            <a:r>
+              <a:rPr lang="en-US" b="1" dirty="0" smtClean="0">
+                <a:latin typeface="Arial" pitchFamily="34" charset="0"/>
+                <a:cs typeface="Arial" pitchFamily="34" charset="0"/>
+              </a:rPr>
+              <a:t>electronic mail (S/MIME, PGP), client/server (Kerberos), Web access (Secure Sockets Layer), and others</a:t>
+            </a:r>
+            <a:r>
+              <a:rPr lang="en-US" dirty="0" smtClean="0">
+                <a:latin typeface="Arial" pitchFamily="34" charset="0"/>
+                <a:cs typeface="Arial" pitchFamily="34" charset="0"/>
+              </a:rPr>
+              <a:t>. However users have some security concerns that cut across protocol layers. By implementing security at the IP level, an organization can ensure secure networking not only for applications that have security mechanisms but also for the many security-ignorant applications. </a:t>
             </a:r>
           </a:p>
         </p:txBody>
@@ -2672,17 +2728,45 @@
           <a:p>
             <a:pPr marL="228600" indent="-228600" eaLnBrk="1" hangingPunct="1"/>
             <a:r>
-              <a:rPr lang="en-US" smtClean="0">
+              <a:rPr lang="en-US" dirty="0" smtClean="0">
                 <a:latin typeface="Arial" pitchFamily="34" charset="0"/>
                 <a:cs typeface="Arial" pitchFamily="34" charset="0"/>
               </a:rPr>
-              <a:t>Oakley is a key exchange protocol based on the Diffie-Hellman algorithm but providing added security. Oakley is generic in that it does not dictate specific formats. Oakley is designed to retain the advantages of Diffie-Hellman while countering its weaknesses. These include that it does not provide any information about the identities of the parties, is subject to a man-in-the-middle attack, and is computationally intensive</a:t>
+              <a:t>Oakley is a key exchange protocol based on the </a:t>
+            </a:r>
+            <a:r>
+              <a:rPr lang="en-US" dirty="0" err="1" smtClean="0">
+                <a:latin typeface="Arial" pitchFamily="34" charset="0"/>
+                <a:cs typeface="Arial" pitchFamily="34" charset="0"/>
+              </a:rPr>
+              <a:t>Diffie</a:t>
+            </a:r>
+            <a:r>
+              <a:rPr lang="en-US" dirty="0" smtClean="0">
+                <a:latin typeface="Arial" pitchFamily="34" charset="0"/>
+                <a:cs typeface="Arial" pitchFamily="34" charset="0"/>
+              </a:rPr>
+              <a:t>-Hellman algorithm but providing added security. Oakley is generic in that it does not dictate specific formats. Oakley is designed to retain the advantages of </a:t>
+            </a:r>
+            <a:r>
+              <a:rPr lang="en-US" dirty="0" err="1" smtClean="0">
+                <a:latin typeface="Arial" pitchFamily="34" charset="0"/>
+                <a:cs typeface="Arial" pitchFamily="34" charset="0"/>
+              </a:rPr>
+              <a:t>Diffie</a:t>
+            </a:r>
+            <a:r>
+              <a:rPr lang="en-US" dirty="0" smtClean="0">
+                <a:latin typeface="Arial" pitchFamily="34" charset="0"/>
+                <a:cs typeface="Arial" pitchFamily="34" charset="0"/>
+              </a:rPr>
+              <a:t>-Hellman while countering its weaknesses. These include that it does not provide any information about the identities of the parties, is subject to a man-in-the-middle attack, and is computationally intensive</a:t>
             </a:r>
           </a:p>
           <a:p>
             <a:pPr marL="228600" indent="-228600" eaLnBrk="1" hangingPunct="1"/>
             <a:r>
-              <a:rPr lang="en-US" smtClean="0">
+              <a:rPr lang="en-US" b="1" dirty="0" smtClean="0">
                 <a:latin typeface="Arial" pitchFamily="34" charset="0"/>
                 <a:cs typeface="Arial" pitchFamily="34" charset="0"/>
               </a:rPr>
@@ -2695,7 +2779,7 @@
               <a:buNone/>
             </a:pPr>
             <a:r>
-              <a:rPr lang="en-US" smtClean="0">
+              <a:rPr lang="en-US" b="1" dirty="0" smtClean="0">
                 <a:latin typeface="Arial" pitchFamily="34" charset="0"/>
                 <a:cs typeface="Arial" pitchFamily="34" charset="0"/>
               </a:rPr>
@@ -2708,11 +2792,25 @@
               <a:buNone/>
             </a:pPr>
             <a:r>
-              <a:rPr lang="en-US" smtClean="0">
+              <a:rPr lang="en-US" b="1" dirty="0" smtClean="0">
                 <a:latin typeface="Arial" pitchFamily="34" charset="0"/>
                 <a:cs typeface="Arial" pitchFamily="34" charset="0"/>
               </a:rPr>
-              <a:t>2. It enables the two parties to negotiate a group; this, in essence, specifies the global parameters of the Diffie-Hellman key exchange</a:t>
+              <a:t>2. It enables the two parties to negotiate a group; this, in essence, specifies the global parameters of the </a:t>
+            </a:r>
+            <a:r>
+              <a:rPr lang="en-US" b="1" dirty="0" err="1" smtClean="0">
+                <a:latin typeface="Arial" pitchFamily="34" charset="0"/>
+                <a:cs typeface="Arial" pitchFamily="34" charset="0"/>
+              </a:rPr>
+              <a:t>Diffie</a:t>
+            </a:r>
+            <a:r>
+              <a:rPr lang="en-US" b="1" dirty="0" smtClean="0">
+                <a:latin typeface="Arial" pitchFamily="34" charset="0"/>
+                <a:cs typeface="Arial" pitchFamily="34" charset="0"/>
+              </a:rPr>
+              <a:t>-Hellman key exchange</a:t>
             </a:r>
           </a:p>
           <a:p>
@@ -2721,11 +2819,25 @@
               <a:buNone/>
             </a:pPr>
             <a:r>
-              <a:rPr lang="en-US" smtClean="0">
+              <a:rPr lang="en-US" b="1" dirty="0" smtClean="0">
                 <a:latin typeface="Arial" pitchFamily="34" charset="0"/>
                 <a:cs typeface="Arial" pitchFamily="34" charset="0"/>
               </a:rPr>
-              <a:t>3. It uses nonces to ensure against replay attacks</a:t>
+              <a:t>3. It uses </a:t>
+            </a:r>
+            <a:r>
+              <a:rPr lang="en-US" b="1" dirty="0" err="1" smtClean="0">
+                <a:latin typeface="Arial" pitchFamily="34" charset="0"/>
+                <a:cs typeface="Arial" pitchFamily="34" charset="0"/>
+              </a:rPr>
+              <a:t>nonces</a:t>
+            </a:r>
+            <a:r>
+              <a:rPr lang="en-US" b="1" dirty="0" smtClean="0">
+                <a:latin typeface="Arial" pitchFamily="34" charset="0"/>
+                <a:cs typeface="Arial" pitchFamily="34" charset="0"/>
+              </a:rPr>
+              <a:t> to ensure against replay attacks</a:t>
             </a:r>
           </a:p>
           <a:p>
@@ -2734,11 +2846,25 @@
               <a:buNone/>
             </a:pPr>
             <a:r>
-              <a:rPr lang="en-US" smtClean="0">
+              <a:rPr lang="en-US" b="1" dirty="0" smtClean="0">
                 <a:latin typeface="Arial" pitchFamily="34" charset="0"/>
                 <a:cs typeface="Arial" pitchFamily="34" charset="0"/>
               </a:rPr>
-              <a:t>4. It enables the exchange of Diffie-Hellman public key values</a:t>
+              <a:t>4. It enables the exchange of </a:t>
+            </a:r>
+            <a:r>
+              <a:rPr lang="en-US" b="1" dirty="0" err="1" smtClean="0">
+                <a:latin typeface="Arial" pitchFamily="34" charset="0"/>
+                <a:cs typeface="Arial" pitchFamily="34" charset="0"/>
+              </a:rPr>
+              <a:t>Diffie</a:t>
+            </a:r>
+            <a:r>
+              <a:rPr lang="en-US" b="1" dirty="0" smtClean="0">
+                <a:latin typeface="Arial" pitchFamily="34" charset="0"/>
+                <a:cs typeface="Arial" pitchFamily="34" charset="0"/>
+              </a:rPr>
+              <a:t>-Hellman public key values</a:t>
             </a:r>
           </a:p>
           <a:p>
@@ -2747,11 +2873,25 @@
               <a:buNone/>
             </a:pPr>
             <a:r>
-              <a:rPr lang="en-US" smtClean="0">
+              <a:rPr lang="en-US" b="1" dirty="0" smtClean="0">
                 <a:latin typeface="Arial" pitchFamily="34" charset="0"/>
                 <a:cs typeface="Arial" pitchFamily="34" charset="0"/>
               </a:rPr>
-              <a:t>5. It authenticates the Diffie-Hellman exchange to thwart man-in-the-middle attacks</a:t>
+              <a:t>5. It authenticates the </a:t>
+            </a:r>
+            <a:r>
+              <a:rPr lang="en-US" b="1" dirty="0" err="1" smtClean="0">
+                <a:latin typeface="Arial" pitchFamily="34" charset="0"/>
+                <a:cs typeface="Arial" pitchFamily="34" charset="0"/>
+              </a:rPr>
+              <a:t>Diffie</a:t>
+            </a:r>
+            <a:r>
+              <a:rPr lang="en-US" b="1" dirty="0" smtClean="0">
+                <a:latin typeface="Arial" pitchFamily="34" charset="0"/>
+                <a:cs typeface="Arial" pitchFamily="34" charset="0"/>
+              </a:rPr>
+              <a:t>-Hellman exchange to thwart man-in-the-middle attacks</a:t>
             </a:r>
           </a:p>
           <a:p>
@@ -2760,11 +2900,25 @@
               <a:buNone/>
             </a:pPr>
             <a:r>
-              <a:rPr lang="en-US" smtClean="0">
+              <a:rPr lang="en-US" dirty="0" smtClean="0">
                 <a:latin typeface="Arial" pitchFamily="34" charset="0"/>
                 <a:cs typeface="Arial" pitchFamily="34" charset="0"/>
               </a:rPr>
-              <a:t>Oakley supports the use of different groups for the Diffie-Hellman key exchange, being 768, 1024 or 1536 bit primes, or 155 or 185 bit elliptic curves. See text for more details.</a:t>
+              <a:t>Oakley supports the use of different groups for the </a:t>
+            </a:r>
+            <a:r>
+              <a:rPr lang="en-US" dirty="0" err="1" smtClean="0">
+                <a:latin typeface="Arial" pitchFamily="34" charset="0"/>
+                <a:cs typeface="Arial" pitchFamily="34" charset="0"/>
+              </a:rPr>
+              <a:t>Diffie</a:t>
+            </a:r>
+            <a:r>
+              <a:rPr lang="en-US" dirty="0" smtClean="0">
+                <a:latin typeface="Arial" pitchFamily="34" charset="0"/>
+                <a:cs typeface="Arial" pitchFamily="34" charset="0"/>
+              </a:rPr>
+              <a:t>-Hellman key exchange, being 768, 1024 or 1536 bit primes, or 155 or 185 bit elliptic curves. See text for more details.</a:t>
             </a:r>
           </a:p>
         </p:txBody>
@@ -2945,42 +3099,66 @@
           <a:lstStyle/>
           <a:p>
             <a:r>
-              <a:rPr lang="en-US" smtClean="0">
+              <a:rPr lang="en-US" dirty="0" smtClean="0">
                 <a:latin typeface="Arial" pitchFamily="34" charset="0"/>
               </a:rPr>
               <a:t>The IKEv2 protocol involves the exchange of messages in pairs. The first two pairs of exchanges are referred to as the </a:t>
             </a:r>
             <a:r>
-              <a:rPr lang="en-US" b="1" smtClean="0">
+              <a:rPr lang="en-US" b="1" dirty="0" smtClean="0">
                 <a:latin typeface="Arial" pitchFamily="34" charset="0"/>
               </a:rPr>
               <a:t>initial exchanges </a:t>
             </a:r>
             <a:r>
-              <a:rPr lang="en-US" smtClean="0">
+              <a:rPr lang="en-US" dirty="0" smtClean="0">
                 <a:latin typeface="Arial" pitchFamily="34" charset="0"/>
               </a:rPr>
-              <a:t>(see Stallings Figure 19.11a). In the first exchange the two peers exchange information concerning cryptographic algorithms and other security parameters they are willing to use along with nonces and Diffie-Hellman (DH) values. The result of this exchange is to set up a special SA called the IKE SA (Figure 19.2). This SA defines parameters for a secure channel between the peers over which subsequent message exchanges take place. Thus, all subsequent IKE message exchanges are protected by encryption and message authentication. In the second exchange, the two parties authenticate one another and set up a first IPsec SA to be placed in the SADB and used for protecting ordinary (i.e. non-IKE) communications between the peers. Thus four messages are needed to establish the first SA for general use.  The </a:t>
-            </a:r>
-            <a:r>
-              <a:rPr lang="en-US" b="1" smtClean="0">
+              <a:t>(see Stallings Figure 19.11a). In the first exchange the two peers exchange information concerning cryptographic algorithms and other security parameters they are willing to use along with </a:t>
+            </a:r>
+            <a:r>
+              <a:rPr lang="en-US" dirty="0" err="1" smtClean="0">
+                <a:latin typeface="Arial" pitchFamily="34" charset="0"/>
+              </a:rPr>
+              <a:t>nonces</a:t>
+            </a:r>
+            <a:r>
+              <a:rPr lang="en-US" dirty="0" smtClean="0">
+                <a:latin typeface="Arial" pitchFamily="34" charset="0"/>
+              </a:rPr>
+              <a:t> and </a:t>
+            </a:r>
+            <a:r>
+              <a:rPr lang="en-US" dirty="0" err="1" smtClean="0">
+                <a:latin typeface="Arial" pitchFamily="34" charset="0"/>
+              </a:rPr>
+              <a:t>Diffie</a:t>
+            </a:r>
+            <a:r>
+              <a:rPr lang="en-US" dirty="0" smtClean="0">
+                <a:latin typeface="Arial" pitchFamily="34" charset="0"/>
+              </a:rPr>
+              <a:t>-Hellman (DH) values. The result of this exchange is to set up a special SA called the IKE SA (Figure 19.2). This SA defines parameters for a secure channel between the peers over which subsequent message exchanges take place. Thus, all subsequent IKE message exchanges are protected by encryption and message authentication. In the second exchange, the two parties authenticate one another and set up a first IPsec SA to be placed in the SADB and used for protecting ordinary (i.e. non-IKE) communications between the peers. Thus four messages are needed to establish the first SA for general use.  The </a:t>
+            </a:r>
+            <a:r>
+              <a:rPr lang="en-US" b="1" dirty="0" smtClean="0">
                 <a:latin typeface="Arial" pitchFamily="34" charset="0"/>
               </a:rPr>
               <a:t>CREATE_CHILD_SA </a:t>
             </a:r>
             <a:r>
-              <a:rPr lang="en-US" smtClean="0">
+              <a:rPr lang="en-US" dirty="0" smtClean="0">
                 <a:latin typeface="Arial" pitchFamily="34" charset="0"/>
               </a:rPr>
               <a:t>exchange can be used to establish further SAs for protecting traffic. The informational exchange is used to exchange management information, IKEv2 error messages, and other notifications</a:t>
             </a:r>
             <a:r>
-              <a:rPr lang="en-US" b="1" smtClean="0">
+              <a:rPr lang="en-US" b="1" dirty="0" smtClean="0">
                 <a:latin typeface="Arial" pitchFamily="34" charset="0"/>
               </a:rPr>
               <a:t>. </a:t>
             </a:r>
-            <a:endParaRPr lang="en-US" smtClean="0">
+            <a:endParaRPr lang="en-US" dirty="0" smtClean="0">
               <a:latin typeface="Arial" pitchFamily="34" charset="0"/>
             </a:endParaRPr>
           </a:p>
@@ -4288,16 +4466,51 @@
           <a:p>
             <a:pPr eaLnBrk="1" hangingPunct="1"/>
             <a:r>
-              <a:rPr lang="en-US" smtClean="0">
+              <a:rPr lang="en-US" dirty="0" err="1" smtClean="0">
                 <a:latin typeface="Arial" pitchFamily="34" charset="0"/>
                 <a:cs typeface="Arial" pitchFamily="34" charset="0"/>
               </a:rPr>
-              <a:t>IPSec provides security services at the IP layer by enabling a system to select required security protocols, determine the algorithm(s) to use for the service(s), and put in place any cryptographic keys required to provide the requested services. Two protocols are used to provide security: an authentication protocol designated by the header of the protocol, Authentication Header (AH); and a combined encryption/authentication protocol designated by the format of the packet for that protocol, Encapsulating Security Payload (ESP). RFC 4301 lists the security services supported as shown above.</a:t>
+              <a:t>IPSec</a:t>
+            </a:r>
+            <a:r>
+              <a:rPr lang="en-US" dirty="0" smtClean="0">
+                <a:latin typeface="Arial" pitchFamily="34" charset="0"/>
+                <a:cs typeface="Arial" pitchFamily="34" charset="0"/>
+              </a:rPr>
+              <a:t> provides security services at the IP layer by enabling a system to select required security protocols, determine the algorithm(s) to use for the service(s), and put in place any cryptographic keys required to provide the requested services. Two protocols are used to provide security: an authentication protocol designated by the header of the protocol, </a:t>
+            </a:r>
+            <a:r>
+              <a:rPr lang="en-US" b="1" dirty="0" smtClean="0">
+                <a:latin typeface="Arial" pitchFamily="34" charset="0"/>
+                <a:cs typeface="Arial" pitchFamily="34" charset="0"/>
+              </a:rPr>
+              <a:t>Authentication Header (AH); </a:t>
+            </a:r>
+            <a:r>
+              <a:rPr lang="en-US" dirty="0" smtClean="0">
+                <a:latin typeface="Arial" pitchFamily="34" charset="0"/>
+                <a:cs typeface="Arial" pitchFamily="34" charset="0"/>
+              </a:rPr>
+              <a:t>and a combined encryption/authentication protocol designated by the format of the packet for that protocol, </a:t>
+            </a:r>
+            <a:r>
+              <a:rPr lang="en-US" b="1" dirty="0" smtClean="0">
+                <a:latin typeface="Arial" pitchFamily="34" charset="0"/>
+                <a:cs typeface="Arial" pitchFamily="34" charset="0"/>
+              </a:rPr>
+              <a:t>Encapsulating Security Payload (ESP)</a:t>
+            </a:r>
+            <a:r>
+              <a:rPr lang="en-US" dirty="0" smtClean="0">
+                <a:latin typeface="Arial" pitchFamily="34" charset="0"/>
+                <a:cs typeface="Arial" pitchFamily="34" charset="0"/>
+              </a:rPr>
+              <a:t>. RFC 4301 lists the security services supported as shown above.</a:t>
             </a:r>
           </a:p>
           <a:p>
             <a:pPr eaLnBrk="1" hangingPunct="1"/>
-            <a:endParaRPr lang="en-US" smtClean="0">
+            <a:endParaRPr lang="en-US" dirty="0" smtClean="0">
               <a:latin typeface="Arial" pitchFamily="34" charset="0"/>
               <a:cs typeface="Arial" pitchFamily="34" charset="0"/>
             </a:endParaRPr>
@@ -4521,22 +4734,46 @@
           <a:p>
             <a:pPr eaLnBrk="1" hangingPunct="1"/>
             <a:r>
-              <a:rPr lang="en-US" smtClean="0">
+              <a:rPr lang="en-US" dirty="0" smtClean="0">
                 <a:latin typeface="Arial" pitchFamily="34" charset="0"/>
               </a:rPr>
-              <a:t>Stallings Figure 19.7 shows two ways in which the IPsec ESP service can be used. In the upper part of the figure, encryption (and optionally authentication) is provided directly between two hosts. Figure 19.7b shows how tunnel mode operation can be used to set up a </a:t>
-            </a:r>
-            <a:r>
-              <a:rPr lang="en-US" b="1" smtClean="0">
+              <a:t>Stallings Figure 19.7 shows two ways in which the IPsec ESP service can be used. In the upper part of the figure, </a:t>
+            </a:r>
+            <a:r>
+              <a:rPr lang="en-US" b="1" dirty="0" smtClean="0">
+                <a:latin typeface="Arial" pitchFamily="34" charset="0"/>
+              </a:rPr>
+              <a:t>encryption (and optionally authentication) is provided directly between two hosts</a:t>
+            </a:r>
+            <a:r>
+              <a:rPr lang="en-US" dirty="0" smtClean="0">
+                <a:latin typeface="Arial" pitchFamily="34" charset="0"/>
+              </a:rPr>
+              <a:t>. Figure 19.7b shows how tunnel mode operation can be used to set up a </a:t>
+            </a:r>
+            <a:r>
+              <a:rPr lang="en-US" b="1" dirty="0" smtClean="0">
                 <a:latin typeface="Arial" pitchFamily="34" charset="0"/>
               </a:rPr>
               <a:t>virtual private network</a:t>
             </a:r>
             <a:r>
-              <a:rPr lang="en-US" smtClean="0">
+              <a:rPr lang="en-US" dirty="0" smtClean="0">
                 <a:latin typeface="Arial" pitchFamily="34" charset="0"/>
               </a:rPr>
-              <a:t>. In this example, an organization has four private networks interconnected across the Internet. Hosts on the internal networks use the Internet for transport of data but do not interact with other Internet- based hosts. By terminating the tunnels at the security gateway to each internal network, the configuration allows the hosts to avoid implementing the security capability. The former technique is support by a transport mode SA, while the latter technique uses a tunnel mode SA. </a:t>
+              <a:t>. In this example, an organization has four private networks interconnected across the Internet. Hosts on the internal networks use the Internet for transport of data but do not interact with other Internet- based hosts. By terminating the tunnels at the security gateway to each internal network, the </a:t>
+            </a:r>
+            <a:r>
+              <a:rPr lang="en-US" b="1" dirty="0" smtClean="0">
+                <a:latin typeface="Arial" pitchFamily="34" charset="0"/>
+              </a:rPr>
+              <a:t>configuration allows the hosts to avoid implementing the security capability</a:t>
+            </a:r>
+            <a:r>
+              <a:rPr lang="en-US" dirty="0" smtClean="0">
+                <a:latin typeface="Arial" pitchFamily="34" charset="0"/>
+              </a:rPr>
+              <a:t>. The former technique is support by a transport mode SA, while the latter technique uses a tunnel mode SA. </a:t>
             </a:r>
           </a:p>
         </p:txBody>
@@ -27153,61 +27390,66 @@
           <a:lstStyle/>
           <a:p>
             <a:r>
-              <a:rPr lang="en-US" smtClean="0"/>
+              <a:rPr lang="en-US" dirty="0" smtClean="0"/>
               <a:t>variety of cryptographic algorithm types</a:t>
             </a:r>
           </a:p>
           <a:p>
             <a:r>
-              <a:rPr lang="en-US" smtClean="0"/>
-              <a:t>to promote interoperability have</a:t>
-            </a:r>
+              <a:rPr lang="en-US" dirty="0" smtClean="0"/>
+              <a:t>to promote </a:t>
+            </a:r>
+            <a:r>
+              <a:rPr lang="en-US" dirty="0" smtClean="0"/>
+              <a:t>interoperability</a:t>
+            </a:r>
+            <a:endParaRPr lang="en-US" dirty="0" smtClean="0"/>
           </a:p>
           <a:p>
             <a:pPr lvl="1"/>
             <a:r>
-              <a:rPr lang="en-US" smtClean="0"/>
+              <a:rPr lang="en-US" dirty="0" smtClean="0"/>
               <a:t>RFC4308 defines VPN cryptographic suites</a:t>
             </a:r>
           </a:p>
           <a:p>
             <a:pPr lvl="2"/>
             <a:r>
-              <a:rPr lang="en-US" smtClean="0"/>
+              <a:rPr lang="en-US" dirty="0" smtClean="0"/>
               <a:t>VPN-A matches common corporate VPN security using 3DES &amp; HMAC</a:t>
             </a:r>
           </a:p>
           <a:p>
             <a:pPr lvl="2"/>
             <a:r>
-              <a:rPr lang="en-US" smtClean="0"/>
+              <a:rPr lang="en-US" dirty="0" smtClean="0"/>
               <a:t>VPN-B has stronger security for new VPNs implementing IPsecv3 and IKEv2 using AES</a:t>
             </a:r>
           </a:p>
           <a:p>
             <a:pPr lvl="1"/>
             <a:r>
-              <a:rPr lang="en-US" smtClean="0"/>
+              <a:rPr lang="en-US" dirty="0" smtClean="0"/>
               <a:t>RFC4869 defines four cryptographic suites  compatible with US NSA specs</a:t>
             </a:r>
           </a:p>
           <a:p>
             <a:pPr lvl="2"/>
             <a:r>
-              <a:rPr lang="en-US" smtClean="0"/>
+              <a:rPr lang="en-US" dirty="0" smtClean="0"/>
               <a:t>provide choices for ESP &amp; IKE</a:t>
             </a:r>
           </a:p>
           <a:p>
             <a:pPr lvl="2"/>
             <a:r>
-              <a:rPr lang="en-US" smtClean="0"/>
+              <a:rPr lang="en-US" dirty="0" smtClean="0"/>
               <a:t>AES-GCM, AES-CBC, HMAC-SHA, ECP, ECDSA</a:t>
             </a:r>
           </a:p>
           <a:p>
             <a:pPr lvl="1"/>
-            <a:endParaRPr lang="en-US" smtClean="0"/>
+            <a:endParaRPr lang="en-US" dirty="0" smtClean="0"/>
           </a:p>
         </p:txBody>
       </p:sp>
@@ -27277,59 +27519,64 @@
           <a:p>
             <a:pPr eaLnBrk="1" hangingPunct="1"/>
             <a:r>
-              <a:rPr lang="en-US" smtClean="0"/>
-              <a:t>have considered:</a:t>
+              <a:rPr lang="en-US" dirty="0" err="1" smtClean="0"/>
+              <a:t>IPSec</a:t>
+            </a:r>
+            <a:r>
+              <a:rPr lang="en-US" dirty="0" smtClean="0"/>
+              <a:t> </a:t>
+            </a:r>
+            <a:r>
+              <a:rPr lang="en-US" dirty="0" smtClean="0"/>
+              <a:t>security framework</a:t>
+            </a:r>
+          </a:p>
+          <a:p>
+            <a:pPr eaLnBrk="1" hangingPunct="1"/>
+            <a:r>
+              <a:rPr lang="en-US" dirty="0" err="1" smtClean="0"/>
+              <a:t>IPSec</a:t>
+            </a:r>
+            <a:r>
+              <a:rPr lang="en-US" dirty="0" smtClean="0"/>
+              <a:t> security policy</a:t>
+            </a:r>
+          </a:p>
+          <a:p>
+            <a:pPr eaLnBrk="1" hangingPunct="1"/>
+            <a:r>
+              <a:rPr lang="en-US" dirty="0" smtClean="0"/>
+              <a:t>ESP</a:t>
+            </a:r>
+          </a:p>
+          <a:p>
+            <a:pPr eaLnBrk="1" hangingPunct="1"/>
+            <a:r>
+              <a:rPr lang="en-US" dirty="0" smtClean="0"/>
+              <a:t>combining security associations</a:t>
+            </a:r>
+          </a:p>
+          <a:p>
+            <a:pPr eaLnBrk="1" hangingPunct="1"/>
+            <a:r>
+              <a:rPr lang="en-US" dirty="0" smtClean="0"/>
+              <a:t>internet key exchange</a:t>
+            </a:r>
+          </a:p>
+          <a:p>
+            <a:pPr eaLnBrk="1" hangingPunct="1"/>
+            <a:r>
+              <a:rPr lang="en-US" dirty="0" smtClean="0"/>
+              <a:t>cryptographic suites used</a:t>
             </a:r>
           </a:p>
           <a:p>
             <a:pPr lvl="1" eaLnBrk="1" hangingPunct="1"/>
-            <a:r>
-              <a:rPr lang="en-US" smtClean="0"/>
-              <a:t>IPSec security framework</a:t>
-            </a:r>
+            <a:endParaRPr lang="en-US" dirty="0" smtClean="0"/>
           </a:p>
           <a:p>
             <a:pPr lvl="1" eaLnBrk="1" hangingPunct="1"/>
-            <a:r>
-              <a:rPr lang="en-US" smtClean="0"/>
-              <a:t>IPSec security policy</a:t>
-            </a:r>
-          </a:p>
-          <a:p>
-            <a:pPr lvl="1" eaLnBrk="1" hangingPunct="1"/>
-            <a:r>
-              <a:rPr lang="en-US" smtClean="0"/>
-              <a:t>ESP</a:t>
-            </a:r>
-          </a:p>
-          <a:p>
-            <a:pPr lvl="1" eaLnBrk="1" hangingPunct="1"/>
-            <a:r>
-              <a:rPr lang="en-US" smtClean="0"/>
-              <a:t>combining security associations</a:t>
-            </a:r>
-          </a:p>
-          <a:p>
-            <a:pPr lvl="1" eaLnBrk="1" hangingPunct="1"/>
-            <a:r>
-              <a:rPr lang="en-US" smtClean="0"/>
-              <a:t>internet key exchange</a:t>
-            </a:r>
-          </a:p>
-          <a:p>
-            <a:pPr lvl="1" eaLnBrk="1" hangingPunct="1"/>
-            <a:r>
-              <a:rPr lang="en-US" smtClean="0"/>
-              <a:t>cryptographic suites used</a:t>
-            </a:r>
-          </a:p>
-          <a:p>
-            <a:pPr lvl="1" eaLnBrk="1" hangingPunct="1"/>
-            <a:endParaRPr lang="en-US" smtClean="0"/>
-          </a:p>
-          <a:p>
-            <a:pPr lvl="1" eaLnBrk="1" hangingPunct="1"/>
-            <a:endParaRPr lang="en-AU" smtClean="0"/>
+            <a:endParaRPr lang="en-AU" dirty="0" smtClean="0"/>
           </a:p>
         </p:txBody>
       </p:sp>
@@ -27409,59 +27656,60 @@
           <a:p>
             <a:pPr eaLnBrk="1" hangingPunct="1"/>
             <a:r>
-              <a:rPr lang="en-US" smtClean="0"/>
+              <a:rPr lang="en-US" dirty="0" smtClean="0"/>
               <a:t>general IP Security mechanisms</a:t>
             </a:r>
           </a:p>
           <a:p>
             <a:pPr eaLnBrk="1" hangingPunct="1"/>
             <a:r>
-              <a:rPr lang="en-US" smtClean="0"/>
+              <a:rPr lang="en-US" dirty="0" smtClean="0"/>
               <a:t>provides</a:t>
             </a:r>
           </a:p>
           <a:p>
             <a:pPr lvl="1" eaLnBrk="1" hangingPunct="1"/>
             <a:r>
-              <a:rPr lang="en-US" smtClean="0"/>
+              <a:rPr lang="en-US" dirty="0" smtClean="0"/>
               <a:t>authentication</a:t>
             </a:r>
           </a:p>
           <a:p>
             <a:pPr lvl="1" eaLnBrk="1" hangingPunct="1"/>
             <a:r>
-              <a:rPr lang="en-US" smtClean="0"/>
+              <a:rPr lang="en-US" dirty="0" smtClean="0"/>
               <a:t>confidentiality</a:t>
             </a:r>
           </a:p>
           <a:p>
             <a:pPr lvl="1" eaLnBrk="1" hangingPunct="1"/>
             <a:r>
-              <a:rPr lang="en-US" smtClean="0"/>
+              <a:rPr lang="en-US" dirty="0" smtClean="0"/>
               <a:t>key management</a:t>
             </a:r>
           </a:p>
           <a:p>
             <a:pPr eaLnBrk="1" hangingPunct="1"/>
             <a:r>
-              <a:rPr lang="en-US" smtClean="0"/>
+              <a:rPr lang="en-US" dirty="0" smtClean="0"/>
               <a:t>applicable to use over LANs, across public &amp; private WANs, &amp; for the Internet</a:t>
             </a:r>
           </a:p>
           <a:p>
             <a:pPr eaLnBrk="1" hangingPunct="1"/>
             <a:r>
-              <a:rPr lang="en-US" smtClean="0"/>
-              <a:t>need identified in 1994 report</a:t>
-            </a:r>
+              <a:rPr lang="en-US" dirty="0" smtClean="0"/>
+              <a:t>IAB identified report in 1994</a:t>
+            </a:r>
+            <a:endParaRPr lang="en-US" dirty="0" smtClean="0"/>
           </a:p>
           <a:p>
             <a:pPr lvl="1" eaLnBrk="1" hangingPunct="1"/>
             <a:r>
-              <a:rPr lang="en-US" smtClean="0"/>
+              <a:rPr lang="en-US" dirty="0" smtClean="0"/>
               <a:t>need authentication, encryption in IPv4 &amp; IPv6</a:t>
             </a:r>
-            <a:endParaRPr lang="en-AU" smtClean="0"/>
+            <a:endParaRPr lang="en-AU" dirty="0" smtClean="0"/>
           </a:p>
         </p:txBody>
       </p:sp>
